--- a/MET_CS_669_Presentation_ Bus_reservation.pptx
+++ b/MET_CS_669_Presentation_ Bus_reservation.pptx
@@ -13,6 +13,9 @@
     <p:sldId id="265" r:id="rId7"/>
     <p:sldId id="266" r:id="rId8"/>
     <p:sldId id="263" r:id="rId9"/>
+    <p:sldId id="268" r:id="rId10"/>
+    <p:sldId id="269" r:id="rId11"/>
+    <p:sldId id="267" r:id="rId12"/>
   </p:sldIdLst>
   <p:sldSz cx="12192000" cy="6858000"/>
   <p:notesSz cx="6858000" cy="9144000"/>
@@ -2586,8 +2589,8 @@
             <a:defRPr cap="all"/>
           </a:pPr>
           <a:r>
-            <a:rPr lang="en-US"/>
-            <a:t>Queries </a:t>
+            <a:rPr lang="en-US" dirty="0"/>
+            <a:t>SQL STATEMENTS </a:t>
           </a:r>
         </a:p>
       </dgm:t>
@@ -4436,20 +4439,20 @@
     <dgm:cxn modelId="{97F5EC34-96C7-4FF0-BD48-170FA2894AB5}" type="presOf" srcId="{E7FFF8C3-0E68-4AF4-B839-947EA42E74C2}" destId="{1497505E-80EC-49CC-80A1-297EC4168138}" srcOrd="0" destOrd="0" presId="urn:microsoft.com/office/officeart/2005/8/layout/hList1"/>
     <dgm:cxn modelId="{66C26537-045E-4589-B9D2-EB01275671E2}" type="presOf" srcId="{C7BB3F2F-D989-4CC1-A046-CCEA46572DEE}" destId="{01A690AD-0E16-435A-952F-5C70F1175635}" srcOrd="0" destOrd="0" presId="urn:microsoft.com/office/officeart/2005/8/layout/hList1"/>
     <dgm:cxn modelId="{77D8743D-795A-4873-9C33-9D7555D035CD}" srcId="{9F1067B3-A8E2-4677-862C-E11F2AC5A108}" destId="{BF1D5B8A-C080-4431-8C27-F95C9C3551CE}" srcOrd="4" destOrd="0" parTransId="{D98CC122-B8E9-4493-B18E-B71640551C06}" sibTransId="{4E3EE279-20E9-41A6-A4A5-8E33D61C1BA8}"/>
+    <dgm:cxn modelId="{E009405D-D814-466E-BBB9-A823AA4807C0}" type="presOf" srcId="{17889EFD-ACFD-4B2C-B0AC-D1773E0C31A0}" destId="{CD4CFF45-E9F2-4C36-A297-A3CF8D754237}" srcOrd="0" destOrd="3" presId="urn:microsoft.com/office/officeart/2005/8/layout/hList1"/>
+    <dgm:cxn modelId="{BEE1435E-8F98-45FB-8E6E-C9CF509900C6}" srcId="{F574652D-AB80-43FF-814F-A9BB738EDD2A}" destId="{4A8524D0-E92F-4EDB-9381-471022160FF2}" srcOrd="1" destOrd="0" parTransId="{152C9A82-8263-4A80-97C2-8025DE2DB1F8}" sibTransId="{E7AA7881-A54B-45CE-8EF9-76DABD9A8A1E}"/>
+    <dgm:cxn modelId="{5B6EE861-C363-4FDF-99FF-18B50E973617}" type="presOf" srcId="{B911F9A9-DB98-4B65-A757-D5FD55A0F8AF}" destId="{01A690AD-0E16-435A-952F-5C70F1175635}" srcOrd="0" destOrd="1" presId="urn:microsoft.com/office/officeart/2005/8/layout/hList1"/>
     <dgm:cxn modelId="{569AFB42-3C4E-4D57-A126-359FE2EEF0CD}" srcId="{DCEA461B-BF1E-4F62-A457-3CCE904BEBE5}" destId="{2BB1E1CF-7DCB-497A-9EBD-AFC4D1B6CA6F}" srcOrd="0" destOrd="0" parTransId="{973103D1-68DD-4358-A8C3-B7A39D87122B}" sibTransId="{229BCF2A-0C31-40FF-8DEA-E5BCE42B62E9}"/>
+    <dgm:cxn modelId="{60200A66-068B-41FE-A675-CCF17E37B07C}" srcId="{2B3989AC-B176-444B-9BEA-25E403D57EA1}" destId="{DCEA461B-BF1E-4F62-A457-3CCE904BEBE5}" srcOrd="2" destOrd="0" parTransId="{16E2A100-8CB4-47E8-B517-677E8530410D}" sibTransId="{3AAD4FA2-5F61-4E68-8F28-7CDCB870A61B}"/>
     <dgm:cxn modelId="{7641C048-C6E7-460A-844F-2C2C3578E58F}" srcId="{1BD3CCDA-3609-4EC9-BC09-F8887A38CF20}" destId="{EB854276-1FAD-4B10-806C-89EB9C029017}" srcOrd="2" destOrd="0" parTransId="{E02BF1DD-6939-4407-B812-E8C30DD4C2C4}" sibTransId="{7487A579-2F6A-43DE-B14B-C59B6A01C9CE}"/>
+    <dgm:cxn modelId="{FF26DD69-15A0-4F0E-937B-BCAFA55A6802}" type="presOf" srcId="{DCEA461B-BF1E-4F62-A457-3CCE904BEBE5}" destId="{BA02CE66-907A-45D3-9F03-A79BA803BF95}" srcOrd="0" destOrd="0" presId="urn:microsoft.com/office/officeart/2005/8/layout/hList1"/>
     <dgm:cxn modelId="{4084534B-00E1-4E3F-A5CB-4F45CD67E5A1}" type="presOf" srcId="{F969D407-F171-4287-9F2F-E89BCDB5AFF5}" destId="{D37A9293-36C0-4D6A-AB27-6B20633E55A0}" srcOrd="0" destOrd="3" presId="urn:microsoft.com/office/officeart/2005/8/layout/hList1"/>
+    <dgm:cxn modelId="{D13D826D-4AEE-4F9B-BDCF-F73484F44848}" srcId="{F574652D-AB80-43FF-814F-A9BB738EDD2A}" destId="{21848C05-6FC0-4AF4-9D4D-6B05D99801A7}" srcOrd="2" destOrd="0" parTransId="{02915AD6-2828-44DD-898A-C1678E9FFCA8}" sibTransId="{669EA2CE-459D-4AED-A98A-2B360F46EE94}"/>
     <dgm:cxn modelId="{C84B514E-DFAE-4BEC-A422-90997192C4CB}" srcId="{DCEA461B-BF1E-4F62-A457-3CCE904BEBE5}" destId="{7C7C8A7D-479B-4D30-8BFC-0C425629EE02}" srcOrd="1" destOrd="0" parTransId="{7891D1D5-B1D4-4534-85E3-CA61195661E0}" sibTransId="{D780B2A0-7EF8-4542-8C09-2ECC7E994B68}"/>
     <dgm:cxn modelId="{5AC8B954-3008-4F16-85AA-FF25E566B1B3}" type="presOf" srcId="{7E81C01C-0336-4ECE-82DA-E6CB97DD5C2C}" destId="{339859B7-074B-4FBD-8744-46B94452859D}" srcOrd="0" destOrd="0" presId="urn:microsoft.com/office/officeart/2005/8/layout/hList1"/>
     <dgm:cxn modelId="{A485C755-84B1-46E8-A841-29F1489EB884}" type="presOf" srcId="{185CFBE7-F4C8-4D98-977E-49421E70F883}" destId="{EEC4962D-898E-437C-8BBC-89AFF7AD37BE}" srcOrd="0" destOrd="2" presId="urn:microsoft.com/office/officeart/2005/8/layout/hList1"/>
+    <dgm:cxn modelId="{D1D8C975-A87D-4764-94C8-96613DF7EE9A}" srcId="{1BD3CCDA-3609-4EC9-BC09-F8887A38CF20}" destId="{46920C96-BC81-4239-93AD-4F9DCA098D0F}" srcOrd="1" destOrd="0" parTransId="{95C84B1B-8D34-409C-977F-5CB1A6862FAC}" sibTransId="{B72CB4AE-3EEE-4B02-BED1-5D8D27409C48}"/>
     <dgm:cxn modelId="{2A0F5556-515E-4D31-A6AB-2979A0B41957}" srcId="{ACDD4F23-3CB2-4252-A59C-F50826DA2526}" destId="{E4F67A1F-7942-4B5F-82F6-EF794D1FEB4C}" srcOrd="0" destOrd="0" parTransId="{68C0A2BE-B776-4C51-8F23-C913CC00EAB5}" sibTransId="{001224F7-EB6B-428F-BE1E-E18E326C0A62}"/>
-    <dgm:cxn modelId="{E009405D-D814-466E-BBB9-A823AA4807C0}" type="presOf" srcId="{17889EFD-ACFD-4B2C-B0AC-D1773E0C31A0}" destId="{CD4CFF45-E9F2-4C36-A297-A3CF8D754237}" srcOrd="0" destOrd="3" presId="urn:microsoft.com/office/officeart/2005/8/layout/hList1"/>
-    <dgm:cxn modelId="{BEE1435E-8F98-45FB-8E6E-C9CF509900C6}" srcId="{F574652D-AB80-43FF-814F-A9BB738EDD2A}" destId="{4A8524D0-E92F-4EDB-9381-471022160FF2}" srcOrd="1" destOrd="0" parTransId="{152C9A82-8263-4A80-97C2-8025DE2DB1F8}" sibTransId="{E7AA7881-A54B-45CE-8EF9-76DABD9A8A1E}"/>
-    <dgm:cxn modelId="{5B6EE861-C363-4FDF-99FF-18B50E973617}" type="presOf" srcId="{B911F9A9-DB98-4B65-A757-D5FD55A0F8AF}" destId="{01A690AD-0E16-435A-952F-5C70F1175635}" srcOrd="0" destOrd="1" presId="urn:microsoft.com/office/officeart/2005/8/layout/hList1"/>
-    <dgm:cxn modelId="{60200A66-068B-41FE-A675-CCF17E37B07C}" srcId="{2B3989AC-B176-444B-9BEA-25E403D57EA1}" destId="{DCEA461B-BF1E-4F62-A457-3CCE904BEBE5}" srcOrd="2" destOrd="0" parTransId="{16E2A100-8CB4-47E8-B517-677E8530410D}" sibTransId="{3AAD4FA2-5F61-4E68-8F28-7CDCB870A61B}"/>
-    <dgm:cxn modelId="{FF26DD69-15A0-4F0E-937B-BCAFA55A6802}" type="presOf" srcId="{DCEA461B-BF1E-4F62-A457-3CCE904BEBE5}" destId="{BA02CE66-907A-45D3-9F03-A79BA803BF95}" srcOrd="0" destOrd="0" presId="urn:microsoft.com/office/officeart/2005/8/layout/hList1"/>
-    <dgm:cxn modelId="{D13D826D-4AEE-4F9B-BDCF-F73484F44848}" srcId="{F574652D-AB80-43FF-814F-A9BB738EDD2A}" destId="{21848C05-6FC0-4AF4-9D4D-6B05D99801A7}" srcOrd="2" destOrd="0" parTransId="{02915AD6-2828-44DD-898A-C1678E9FFCA8}" sibTransId="{669EA2CE-459D-4AED-A98A-2B360F46EE94}"/>
-    <dgm:cxn modelId="{D1D8C975-A87D-4764-94C8-96613DF7EE9A}" srcId="{1BD3CCDA-3609-4EC9-BC09-F8887A38CF20}" destId="{46920C96-BC81-4239-93AD-4F9DCA098D0F}" srcOrd="1" destOrd="0" parTransId="{95C84B1B-8D34-409C-977F-5CB1A6862FAC}" sibTransId="{B72CB4AE-3EEE-4B02-BED1-5D8D27409C48}"/>
     <dgm:cxn modelId="{51D6F091-DBE5-4973-8869-EEE9650BDC1B}" srcId="{F574652D-AB80-43FF-814F-A9BB738EDD2A}" destId="{F969D407-F171-4287-9F2F-E89BCDB5AFF5}" srcOrd="3" destOrd="0" parTransId="{5BBAC41E-1C44-4D25-939A-7228E90CE673}" sibTransId="{6C60C522-7073-489E-966E-96DF262F0C83}"/>
     <dgm:cxn modelId="{0328B994-F723-4DB7-8D92-81A44CD40BE7}" type="presOf" srcId="{2BB1E1CF-7DCB-497A-9EBD-AFC4D1B6CA6F}" destId="{C04008E5-C072-4DF1-B0E2-688B363996D7}" srcOrd="0" destOrd="0" presId="urn:microsoft.com/office/officeart/2005/8/layout/hList1"/>
     <dgm:cxn modelId="{0F90B994-6652-4F0B-90DC-ED47811C08C0}" srcId="{ADB429D9-8404-4BB0-960C-090103FCEC36}" destId="{7F1CF195-456C-40FA-AC06-C4068F3EAA85}" srcOrd="1" destOrd="0" parTransId="{CD35C50D-FF22-4A2F-87A1-CB9222B97260}" sibTransId="{204EF1AA-9BCB-4CC1-82CD-244EAB763A10}"/>
@@ -5746,8 +5749,8 @@
             <a:defRPr cap="all"/>
           </a:pPr>
           <a:r>
-            <a:rPr lang="en-US" sz="1500" kern="1200"/>
-            <a:t>Queries </a:t>
+            <a:rPr lang="en-US" sz="1500" kern="1200" dirty="0"/>
+            <a:t>SQL STATEMENTS </a:t>
           </a:r>
         </a:p>
       </dsp:txBody>
@@ -12044,7 +12047,7 @@
           <a:p>
             <a:fld id="{D7F8DBBB-360D-4812-8A2C-AA226C6232DB}" type="datetimeFigureOut">
               <a:rPr lang="en-US" smtClean="0"/>
-              <a:t>8/11/21</a:t>
+              <a:t>8/11/2021</a:t>
             </a:fld>
             <a:endParaRPr lang="en-US"/>
           </a:p>
@@ -12242,7 +12245,7 @@
           <a:p>
             <a:fld id="{D7F8DBBB-360D-4812-8A2C-AA226C6232DB}" type="datetimeFigureOut">
               <a:rPr lang="en-US" smtClean="0"/>
-              <a:t>8/11/21</a:t>
+              <a:t>8/11/2021</a:t>
             </a:fld>
             <a:endParaRPr lang="en-US"/>
           </a:p>
@@ -12450,7 +12453,7 @@
           <a:p>
             <a:fld id="{D7F8DBBB-360D-4812-8A2C-AA226C6232DB}" type="datetimeFigureOut">
               <a:rPr lang="en-US" smtClean="0"/>
-              <a:t>8/11/21</a:t>
+              <a:t>8/11/2021</a:t>
             </a:fld>
             <a:endParaRPr lang="en-US"/>
           </a:p>
@@ -12648,7 +12651,7 @@
           <a:p>
             <a:fld id="{D7F8DBBB-360D-4812-8A2C-AA226C6232DB}" type="datetimeFigureOut">
               <a:rPr lang="en-US" smtClean="0"/>
-              <a:t>8/11/21</a:t>
+              <a:t>8/11/2021</a:t>
             </a:fld>
             <a:endParaRPr lang="en-US"/>
           </a:p>
@@ -12923,7 +12926,7 @@
           <a:p>
             <a:fld id="{D7F8DBBB-360D-4812-8A2C-AA226C6232DB}" type="datetimeFigureOut">
               <a:rPr lang="en-US" smtClean="0"/>
-              <a:t>8/11/21</a:t>
+              <a:t>8/11/2021</a:t>
             </a:fld>
             <a:endParaRPr lang="en-US"/>
           </a:p>
@@ -13188,7 +13191,7 @@
           <a:p>
             <a:fld id="{D7F8DBBB-360D-4812-8A2C-AA226C6232DB}" type="datetimeFigureOut">
               <a:rPr lang="en-US" smtClean="0"/>
-              <a:t>8/11/21</a:t>
+              <a:t>8/11/2021</a:t>
             </a:fld>
             <a:endParaRPr lang="en-US"/>
           </a:p>
@@ -13600,7 +13603,7 @@
           <a:p>
             <a:fld id="{D7F8DBBB-360D-4812-8A2C-AA226C6232DB}" type="datetimeFigureOut">
               <a:rPr lang="en-US" smtClean="0"/>
-              <a:t>8/11/21</a:t>
+              <a:t>8/11/2021</a:t>
             </a:fld>
             <a:endParaRPr lang="en-US"/>
           </a:p>
@@ -13741,7 +13744,7 @@
           <a:p>
             <a:fld id="{D7F8DBBB-360D-4812-8A2C-AA226C6232DB}" type="datetimeFigureOut">
               <a:rPr lang="en-US" smtClean="0"/>
-              <a:t>8/11/21</a:t>
+              <a:t>8/11/2021</a:t>
             </a:fld>
             <a:endParaRPr lang="en-US"/>
           </a:p>
@@ -13854,7 +13857,7 @@
           <a:p>
             <a:fld id="{D7F8DBBB-360D-4812-8A2C-AA226C6232DB}" type="datetimeFigureOut">
               <a:rPr lang="en-US" smtClean="0"/>
-              <a:t>8/11/21</a:t>
+              <a:t>8/11/2021</a:t>
             </a:fld>
             <a:endParaRPr lang="en-US"/>
           </a:p>
@@ -14165,7 +14168,7 @@
           <a:p>
             <a:fld id="{D7F8DBBB-360D-4812-8A2C-AA226C6232DB}" type="datetimeFigureOut">
               <a:rPr lang="en-US" smtClean="0"/>
-              <a:t>8/11/21</a:t>
+              <a:t>8/11/2021</a:t>
             </a:fld>
             <a:endParaRPr lang="en-US"/>
           </a:p>
@@ -14453,7 +14456,7 @@
           <a:p>
             <a:fld id="{D7F8DBBB-360D-4812-8A2C-AA226C6232DB}" type="datetimeFigureOut">
               <a:rPr lang="en-US" smtClean="0"/>
-              <a:t>8/11/21</a:t>
+              <a:t>8/11/2021</a:t>
             </a:fld>
             <a:endParaRPr lang="en-US"/>
           </a:p>
@@ -14694,7 +14697,7 @@
           <a:p>
             <a:fld id="{D7F8DBBB-360D-4812-8A2C-AA226C6232DB}" type="datetimeFigureOut">
               <a:rPr lang="en-US" smtClean="0"/>
-              <a:t>8/11/21</a:t>
+              <a:t>8/11/2021</a:t>
             </a:fld>
             <a:endParaRPr lang="en-US"/>
           </a:p>
@@ -15710,6 +15713,724 @@
 </p:sld>
 </file>
 
+<file path=ppt/slides/slide10.xml><?xml version="1.0" encoding="utf-8"?>
+<p:sld xmlns:a="http://schemas.openxmlformats.org/drawingml/2006/main" xmlns:r="http://schemas.openxmlformats.org/officeDocument/2006/relationships" xmlns:p="http://schemas.openxmlformats.org/presentationml/2006/main">
+  <p:cSld>
+    <p:bg>
+      <p:bgPr>
+        <a:solidFill>
+          <a:schemeClr val="bg1"/>
+        </a:solidFill>
+        <a:effectLst/>
+      </p:bgPr>
+    </p:bg>
+    <p:spTree>
+      <p:nvGrpSpPr>
+        <p:cNvPr id="1" name=""/>
+        <p:cNvGrpSpPr/>
+        <p:nvPr/>
+      </p:nvGrpSpPr>
+      <p:grpSpPr>
+        <a:xfrm>
+          <a:off x="0" y="0"/>
+          <a:ext cx="0" cy="0"/>
+          <a:chOff x="0" y="0"/>
+          <a:chExt cx="0" cy="0"/>
+        </a:xfrm>
+      </p:grpSpPr>
+      <p:sp useBgFill="1">
+        <p:nvSpPr>
+          <p:cNvPr id="22" name="Rectangle 9">
+            <a:extLst>
+              <a:ext uri="{FF2B5EF4-FFF2-40B4-BE49-F238E27FC236}">
+                <a16:creationId xmlns:a16="http://schemas.microsoft.com/office/drawing/2014/main" id="{A8384FB5-9ADC-4DDC-881B-597D56F5B15D}"/>
+              </a:ext>
+              <a:ext uri="{C183D7F6-B498-43B3-948B-1728B52AA6E4}">
+                <adec:decorative xmlns:adec="http://schemas.microsoft.com/office/drawing/2017/decorative" val="1"/>
+              </a:ext>
+            </a:extLst>
+          </p:cNvPr>
+          <p:cNvSpPr>
+            <a:spLocks noGrp="1" noRot="1" noChangeAspect="1" noMove="1" noResize="1" noEditPoints="1" noAdjustHandles="1" noChangeArrowheads="1" noChangeShapeType="1" noTextEdit="1"/>
+          </p:cNvSpPr>
+          <p:nvPr>
+            <p:extLst>
+              <p:ext uri="{386F3935-93C4-4BCD-93E2-E3B085C9AB24}">
+                <p16:designElem xmlns:p16="http://schemas.microsoft.com/office/powerpoint/2015/main" val="1"/>
+              </p:ext>
+            </p:extLst>
+          </p:nvPr>
+        </p:nvSpPr>
+        <p:spPr>
+          <a:xfrm>
+            <a:off x="0" y="0"/>
+            <a:ext cx="12192000" cy="6858000"/>
+          </a:xfrm>
+          <a:prstGeom prst="rect">
+            <a:avLst/>
+          </a:prstGeom>
+          <a:ln w="12700" cap="flat" cmpd="sng" algn="ctr">
+            <a:noFill/>
+            <a:prstDash val="solid"/>
+            <a:miter lim="800000"/>
+          </a:ln>
+          <a:effectLst/>
+          <a:extLst>
+            <a:ext uri="{91240B29-F687-4F45-9708-019B960494DF}">
+              <a14:hiddenLine xmlns:a14="http://schemas.microsoft.com/office/drawing/2010/main" w="12700" cap="flat" cmpd="sng" algn="ctr">
+                <a:solidFill>
+                  <a:schemeClr val="accent1">
+                    <a:shade val="50000"/>
+                  </a:schemeClr>
+                </a:solidFill>
+                <a:prstDash val="solid"/>
+                <a:miter lim="800000"/>
+              </a14:hiddenLine>
+            </a:ext>
+          </a:extLst>
+        </p:spPr>
+        <p:style>
+          <a:lnRef idx="2">
+            <a:schemeClr val="accent1">
+              <a:shade val="50000"/>
+            </a:schemeClr>
+          </a:lnRef>
+          <a:fillRef idx="1">
+            <a:schemeClr val="accent1"/>
+          </a:fillRef>
+          <a:effectRef idx="0">
+            <a:schemeClr val="accent1"/>
+          </a:effectRef>
+          <a:fontRef idx="minor">
+            <a:schemeClr val="lt1"/>
+          </a:fontRef>
+        </p:style>
+        <p:txBody>
+          <a:bodyPr rtlCol="0" anchor="ctr"/>
+          <a:lstStyle/>
+          <a:p>
+            <a:pPr algn="ctr"/>
+            <a:endParaRPr lang="en-US"/>
+          </a:p>
+        </p:txBody>
+      </p:sp>
+      <p:sp>
+        <p:nvSpPr>
+          <p:cNvPr id="23" name="Rectangle 11">
+            <a:extLst>
+              <a:ext uri="{FF2B5EF4-FFF2-40B4-BE49-F238E27FC236}">
+                <a16:creationId xmlns:a16="http://schemas.microsoft.com/office/drawing/2014/main" id="{1199E1B1-A8C0-4FE8-A5A8-1CB41D69F857}"/>
+              </a:ext>
+              <a:ext uri="{C183D7F6-B498-43B3-948B-1728B52AA6E4}">
+                <adec:decorative xmlns:adec="http://schemas.microsoft.com/office/drawing/2017/decorative" val="1"/>
+              </a:ext>
+            </a:extLst>
+          </p:cNvPr>
+          <p:cNvSpPr>
+            <a:spLocks noGrp="1" noRot="1" noChangeAspect="1" noMove="1" noResize="1" noEditPoints="1" noAdjustHandles="1" noChangeArrowheads="1" noChangeShapeType="1" noTextEdit="1"/>
+          </p:cNvSpPr>
+          <p:nvPr>
+            <p:extLst>
+              <p:ext uri="{386F3935-93C4-4BCD-93E2-E3B085C9AB24}">
+                <p16:designElem xmlns:p16="http://schemas.microsoft.com/office/powerpoint/2015/main" val="1"/>
+              </p:ext>
+            </p:extLst>
+          </p:nvPr>
+        </p:nvSpPr>
+        <p:spPr>
+          <a:xfrm rot="10800000" flipH="1">
+            <a:off x="2" y="0"/>
+            <a:ext cx="12191998" cy="1575955"/>
+          </a:xfrm>
+          <a:prstGeom prst="rect">
+            <a:avLst/>
+          </a:prstGeom>
+          <a:gradFill>
+            <a:gsLst>
+              <a:gs pos="0">
+                <a:srgbClr val="000000">
+                  <a:alpha val="96000"/>
+                </a:srgbClr>
+              </a:gs>
+              <a:gs pos="100000">
+                <a:schemeClr val="accent1">
+                  <a:lumMod val="75000"/>
+                </a:schemeClr>
+              </a:gs>
+            </a:gsLst>
+            <a:lin ang="6000000" scaled="0"/>
+          </a:gradFill>
+          <a:ln>
+            <a:noFill/>
+          </a:ln>
+        </p:spPr>
+        <p:style>
+          <a:lnRef idx="2">
+            <a:schemeClr val="accent1">
+              <a:shade val="50000"/>
+            </a:schemeClr>
+          </a:lnRef>
+          <a:fillRef idx="1">
+            <a:schemeClr val="accent1"/>
+          </a:fillRef>
+          <a:effectRef idx="0">
+            <a:schemeClr val="accent1"/>
+          </a:effectRef>
+          <a:fontRef idx="minor">
+            <a:schemeClr val="lt1"/>
+          </a:fontRef>
+        </p:style>
+        <p:txBody>
+          <a:bodyPr rtlCol="0" anchor="ctr"/>
+          <a:lstStyle/>
+          <a:p>
+            <a:pPr algn="ctr"/>
+            <a:endParaRPr lang="en-US"/>
+          </a:p>
+        </p:txBody>
+      </p:sp>
+      <p:sp>
+        <p:nvSpPr>
+          <p:cNvPr id="24" name="Rectangle 13">
+            <a:extLst>
+              <a:ext uri="{FF2B5EF4-FFF2-40B4-BE49-F238E27FC236}">
+                <a16:creationId xmlns:a16="http://schemas.microsoft.com/office/drawing/2014/main" id="{84A8DE83-DE75-4B41-9DB4-A7EC0B0DEC0B}"/>
+              </a:ext>
+              <a:ext uri="{C183D7F6-B498-43B3-948B-1728B52AA6E4}">
+                <adec:decorative xmlns:adec="http://schemas.microsoft.com/office/drawing/2017/decorative" val="1"/>
+              </a:ext>
+            </a:extLst>
+          </p:cNvPr>
+          <p:cNvSpPr>
+            <a:spLocks noGrp="1" noRot="1" noChangeAspect="1" noMove="1" noResize="1" noEditPoints="1" noAdjustHandles="1" noChangeArrowheads="1" noChangeShapeType="1" noTextEdit="1"/>
+          </p:cNvSpPr>
+          <p:nvPr>
+            <p:extLst>
+              <p:ext uri="{386F3935-93C4-4BCD-93E2-E3B085C9AB24}">
+                <p16:designElem xmlns:p16="http://schemas.microsoft.com/office/powerpoint/2015/main" val="1"/>
+              </p:ext>
+            </p:extLst>
+          </p:nvPr>
+        </p:nvSpPr>
+        <p:spPr>
+          <a:xfrm>
+            <a:off x="0" y="0"/>
+            <a:ext cx="8128856" cy="1575461"/>
+          </a:xfrm>
+          <a:prstGeom prst="rect">
+            <a:avLst/>
+          </a:prstGeom>
+          <a:gradFill>
+            <a:gsLst>
+              <a:gs pos="0">
+                <a:schemeClr val="accent1">
+                  <a:alpha val="41000"/>
+                </a:schemeClr>
+              </a:gs>
+              <a:gs pos="74000">
+                <a:schemeClr val="accent1">
+                  <a:lumMod val="60000"/>
+                  <a:lumOff val="40000"/>
+                  <a:alpha val="0"/>
+                </a:schemeClr>
+              </a:gs>
+            </a:gsLst>
+            <a:lin ang="8400000" scaled="0"/>
+          </a:gradFill>
+          <a:ln>
+            <a:noFill/>
+          </a:ln>
+        </p:spPr>
+        <p:style>
+          <a:lnRef idx="2">
+            <a:schemeClr val="accent1">
+              <a:shade val="50000"/>
+            </a:schemeClr>
+          </a:lnRef>
+          <a:fillRef idx="1">
+            <a:schemeClr val="accent1"/>
+          </a:fillRef>
+          <a:effectRef idx="0">
+            <a:schemeClr val="accent1"/>
+          </a:effectRef>
+          <a:fontRef idx="minor">
+            <a:schemeClr val="lt1"/>
+          </a:fontRef>
+        </p:style>
+        <p:txBody>
+          <a:bodyPr rtlCol="0" anchor="ctr"/>
+          <a:lstStyle/>
+          <a:p>
+            <a:pPr algn="ctr"/>
+            <a:endParaRPr lang="en-US"/>
+          </a:p>
+        </p:txBody>
+      </p:sp>
+      <p:sp>
+        <p:nvSpPr>
+          <p:cNvPr id="25" name="Rectangle 15">
+            <a:extLst>
+              <a:ext uri="{FF2B5EF4-FFF2-40B4-BE49-F238E27FC236}">
+                <a16:creationId xmlns:a16="http://schemas.microsoft.com/office/drawing/2014/main" id="{A7009A0A-BEF5-4EAC-AF15-E4F9F002E239}"/>
+              </a:ext>
+              <a:ext uri="{C183D7F6-B498-43B3-948B-1728B52AA6E4}">
+                <adec:decorative xmlns:adec="http://schemas.microsoft.com/office/drawing/2017/decorative" val="1"/>
+              </a:ext>
+            </a:extLst>
+          </p:cNvPr>
+          <p:cNvSpPr>
+            <a:spLocks noGrp="1" noRot="1" noChangeAspect="1" noMove="1" noResize="1" noEditPoints="1" noAdjustHandles="1" noChangeArrowheads="1" noChangeShapeType="1" noTextEdit="1"/>
+          </p:cNvSpPr>
+          <p:nvPr>
+            <p:extLst>
+              <p:ext uri="{386F3935-93C4-4BCD-93E2-E3B085C9AB24}">
+                <p16:designElem xmlns:p16="http://schemas.microsoft.com/office/powerpoint/2015/main" val="1"/>
+              </p:ext>
+            </p:extLst>
+          </p:nvPr>
+        </p:nvSpPr>
+        <p:spPr>
+          <a:xfrm flipH="1">
+            <a:off x="-3" y="-1"/>
+            <a:ext cx="12192002" cy="1574311"/>
+          </a:xfrm>
+          <a:prstGeom prst="rect">
+            <a:avLst/>
+          </a:prstGeom>
+          <a:gradFill>
+            <a:gsLst>
+              <a:gs pos="0">
+                <a:srgbClr val="000000">
+                  <a:alpha val="63000"/>
+                </a:srgbClr>
+              </a:gs>
+              <a:gs pos="78000">
+                <a:schemeClr val="accent1">
+                  <a:alpha val="15000"/>
+                </a:schemeClr>
+              </a:gs>
+            </a:gsLst>
+            <a:lin ang="15600000" scaled="0"/>
+          </a:gradFill>
+          <a:ln>
+            <a:noFill/>
+          </a:ln>
+        </p:spPr>
+        <p:style>
+          <a:lnRef idx="2">
+            <a:schemeClr val="accent1">
+              <a:shade val="50000"/>
+            </a:schemeClr>
+          </a:lnRef>
+          <a:fillRef idx="1">
+            <a:schemeClr val="accent1"/>
+          </a:fillRef>
+          <a:effectRef idx="0">
+            <a:schemeClr val="accent1"/>
+          </a:effectRef>
+          <a:fontRef idx="minor">
+            <a:schemeClr val="lt1"/>
+          </a:fontRef>
+        </p:style>
+        <p:txBody>
+          <a:bodyPr rtlCol="0" anchor="ctr"/>
+          <a:lstStyle/>
+          <a:p>
+            <a:pPr algn="ctr"/>
+            <a:endParaRPr lang="en-US"/>
+          </a:p>
+        </p:txBody>
+      </p:sp>
+      <p:sp>
+        <p:nvSpPr>
+          <p:cNvPr id="2" name="Title 1">
+            <a:extLst>
+              <a:ext uri="{FF2B5EF4-FFF2-40B4-BE49-F238E27FC236}">
+                <a16:creationId xmlns:a16="http://schemas.microsoft.com/office/drawing/2014/main" id="{012290B1-E997-4AEC-9115-9FB9C1A87489}"/>
+              </a:ext>
+            </a:extLst>
+          </p:cNvPr>
+          <p:cNvSpPr>
+            <a:spLocks noGrp="1"/>
+          </p:cNvSpPr>
+          <p:nvPr>
+            <p:ph type="title"/>
+          </p:nvPr>
+        </p:nvSpPr>
+        <p:spPr>
+          <a:xfrm>
+            <a:off x="699713" y="248038"/>
+            <a:ext cx="7063721" cy="1159200"/>
+          </a:xfrm>
+        </p:spPr>
+        <p:txBody>
+          <a:bodyPr vert="horz" lIns="91440" tIns="45720" rIns="91440" bIns="45720" rtlCol="0" anchor="ctr">
+            <a:normAutofit/>
+          </a:bodyPr>
+          <a:lstStyle/>
+          <a:p>
+            <a:r>
+              <a:rPr lang="en-US" sz="4000" b="1" kern="1200" dirty="0">
+                <a:solidFill>
+                  <a:srgbClr val="FFFFFF"/>
+                </a:solidFill>
+                <a:latin typeface="+mj-lt"/>
+                <a:ea typeface="+mj-ea"/>
+                <a:cs typeface="+mj-cs"/>
+              </a:rPr>
+              <a:t>SQL Statements</a:t>
+            </a:r>
+          </a:p>
+        </p:txBody>
+      </p:sp>
+      <p:sp>
+        <p:nvSpPr>
+          <p:cNvPr id="8" name="Content Placeholder 2">
+            <a:extLst>
+              <a:ext uri="{FF2B5EF4-FFF2-40B4-BE49-F238E27FC236}">
+                <a16:creationId xmlns:a16="http://schemas.microsoft.com/office/drawing/2014/main" id="{AA32F5FD-65A8-4065-A8C7-070ACBA287DD}"/>
+              </a:ext>
+            </a:extLst>
+          </p:cNvPr>
+          <p:cNvSpPr>
+            <a:spLocks noGrp="1"/>
+          </p:cNvSpPr>
+          <p:nvPr>
+            <p:ph idx="1"/>
+          </p:nvPr>
+        </p:nvSpPr>
+        <p:spPr>
+          <a:xfrm>
+            <a:off x="838200" y="1825625"/>
+            <a:ext cx="10515600" cy="4351338"/>
+          </a:xfrm>
+        </p:spPr>
+        <p:txBody>
+          <a:bodyPr/>
+          <a:lstStyle/>
+          <a:p>
+            <a:pPr marL="0" indent="0">
+              <a:buNone/>
+            </a:pPr>
+            <a:r>
+              <a:rPr lang="en-US" dirty="0"/>
+              <a:t>INSERT statements</a:t>
+            </a:r>
+          </a:p>
+        </p:txBody>
+      </p:sp>
+      <p:pic>
+        <p:nvPicPr>
+          <p:cNvPr id="4" name="Picture 3">
+            <a:extLst>
+              <a:ext uri="{FF2B5EF4-FFF2-40B4-BE49-F238E27FC236}">
+                <a16:creationId xmlns:a16="http://schemas.microsoft.com/office/drawing/2014/main" id="{E6E64FD7-9DB6-4E92-8FB2-572B0514E37C}"/>
+              </a:ext>
+            </a:extLst>
+          </p:cNvPr>
+          <p:cNvPicPr>
+            <a:picLocks noChangeAspect="1"/>
+          </p:cNvPicPr>
+          <p:nvPr/>
+        </p:nvPicPr>
+        <p:blipFill>
+          <a:blip r:embed="rId2"/>
+          <a:stretch>
+            <a:fillRect/>
+          </a:stretch>
+        </p:blipFill>
+        <p:spPr>
+          <a:xfrm>
+            <a:off x="933031" y="2441152"/>
+            <a:ext cx="3755254" cy="1371600"/>
+          </a:xfrm>
+          <a:prstGeom prst="rect">
+            <a:avLst/>
+          </a:prstGeom>
+        </p:spPr>
+      </p:pic>
+      <p:pic>
+        <p:nvPicPr>
+          <p:cNvPr id="10" name="Picture 9">
+            <a:extLst>
+              <a:ext uri="{FF2B5EF4-FFF2-40B4-BE49-F238E27FC236}">
+                <a16:creationId xmlns:a16="http://schemas.microsoft.com/office/drawing/2014/main" id="{2457DA13-F379-409D-B898-501A15377275}"/>
+              </a:ext>
+            </a:extLst>
+          </p:cNvPr>
+          <p:cNvPicPr>
+            <a:picLocks noChangeAspect="1"/>
+          </p:cNvPicPr>
+          <p:nvPr/>
+        </p:nvPicPr>
+        <p:blipFill>
+          <a:blip r:embed="rId3"/>
+          <a:stretch>
+            <a:fillRect/>
+          </a:stretch>
+        </p:blipFill>
+        <p:spPr>
+          <a:xfrm>
+            <a:off x="5089272" y="2441152"/>
+            <a:ext cx="1746354" cy="914400"/>
+          </a:xfrm>
+          <a:prstGeom prst="rect">
+            <a:avLst/>
+          </a:prstGeom>
+        </p:spPr>
+      </p:pic>
+      <p:pic>
+        <p:nvPicPr>
+          <p:cNvPr id="14" name="Picture 13">
+            <a:extLst>
+              <a:ext uri="{FF2B5EF4-FFF2-40B4-BE49-F238E27FC236}">
+                <a16:creationId xmlns:a16="http://schemas.microsoft.com/office/drawing/2014/main" id="{FABE1657-F794-4007-9333-B3B2D8373193}"/>
+              </a:ext>
+            </a:extLst>
+          </p:cNvPr>
+          <p:cNvPicPr>
+            <a:picLocks noChangeAspect="1"/>
+          </p:cNvPicPr>
+          <p:nvPr/>
+        </p:nvPicPr>
+        <p:blipFill>
+          <a:blip r:embed="rId4"/>
+          <a:stretch>
+            <a:fillRect/>
+          </a:stretch>
+        </p:blipFill>
+        <p:spPr>
+          <a:xfrm>
+            <a:off x="933031" y="4176125"/>
+            <a:ext cx="3758184" cy="1788082"/>
+          </a:xfrm>
+          <a:prstGeom prst="rect">
+            <a:avLst/>
+          </a:prstGeom>
+        </p:spPr>
+      </p:pic>
+      <p:pic>
+        <p:nvPicPr>
+          <p:cNvPr id="17" name="Picture 16">
+            <a:extLst>
+              <a:ext uri="{FF2B5EF4-FFF2-40B4-BE49-F238E27FC236}">
+                <a16:creationId xmlns:a16="http://schemas.microsoft.com/office/drawing/2014/main" id="{FB939D55-CBC0-48AA-BB53-F398DC6AC16B}"/>
+              </a:ext>
+            </a:extLst>
+          </p:cNvPr>
+          <p:cNvPicPr>
+            <a:picLocks noChangeAspect="1"/>
+          </p:cNvPicPr>
+          <p:nvPr/>
+        </p:nvPicPr>
+        <p:blipFill>
+          <a:blip r:embed="rId5"/>
+          <a:stretch>
+            <a:fillRect/>
+          </a:stretch>
+        </p:blipFill>
+        <p:spPr>
+          <a:xfrm>
+            <a:off x="4688285" y="4176125"/>
+            <a:ext cx="2548328" cy="914400"/>
+          </a:xfrm>
+          <a:prstGeom prst="rect">
+            <a:avLst/>
+          </a:prstGeom>
+        </p:spPr>
+      </p:pic>
+      <p:pic>
+        <p:nvPicPr>
+          <p:cNvPr id="19" name="Picture 18">
+            <a:extLst>
+              <a:ext uri="{FF2B5EF4-FFF2-40B4-BE49-F238E27FC236}">
+                <a16:creationId xmlns:a16="http://schemas.microsoft.com/office/drawing/2014/main" id="{106D01A4-FE2B-4C88-8248-ADF52804921E}"/>
+              </a:ext>
+            </a:extLst>
+          </p:cNvPr>
+          <p:cNvPicPr>
+            <a:picLocks noChangeAspect="1"/>
+          </p:cNvPicPr>
+          <p:nvPr/>
+        </p:nvPicPr>
+        <p:blipFill>
+          <a:blip r:embed="rId6"/>
+          <a:stretch>
+            <a:fillRect/>
+          </a:stretch>
+        </p:blipFill>
+        <p:spPr>
+          <a:xfrm>
+            <a:off x="8014716" y="2404783"/>
+            <a:ext cx="3758184" cy="1453594"/>
+          </a:xfrm>
+          <a:prstGeom prst="rect">
+            <a:avLst/>
+          </a:prstGeom>
+        </p:spPr>
+      </p:pic>
+      <p:pic>
+        <p:nvPicPr>
+          <p:cNvPr id="21" name="Picture 20">
+            <a:extLst>
+              <a:ext uri="{FF2B5EF4-FFF2-40B4-BE49-F238E27FC236}">
+                <a16:creationId xmlns:a16="http://schemas.microsoft.com/office/drawing/2014/main" id="{4722DC38-1768-4BF0-B277-12977B607900}"/>
+              </a:ext>
+            </a:extLst>
+          </p:cNvPr>
+          <p:cNvPicPr>
+            <a:picLocks noChangeAspect="1"/>
+          </p:cNvPicPr>
+          <p:nvPr/>
+        </p:nvPicPr>
+        <p:blipFill>
+          <a:blip r:embed="rId7"/>
+          <a:stretch>
+            <a:fillRect/>
+          </a:stretch>
+        </p:blipFill>
+        <p:spPr>
+          <a:xfrm>
+            <a:off x="7836408" y="4305970"/>
+            <a:ext cx="4114800" cy="762467"/>
+          </a:xfrm>
+          <a:prstGeom prst="rect">
+            <a:avLst/>
+          </a:prstGeom>
+        </p:spPr>
+      </p:pic>
+    </p:spTree>
+    <p:extLst>
+      <p:ext uri="{BB962C8B-B14F-4D97-AF65-F5344CB8AC3E}">
+        <p14:creationId xmlns:p14="http://schemas.microsoft.com/office/powerpoint/2010/main" val="3153232953"/>
+      </p:ext>
+    </p:extLst>
+  </p:cSld>
+  <p:clrMapOvr>
+    <a:masterClrMapping/>
+  </p:clrMapOvr>
+</p:sld>
+</file>
+
+<file path=ppt/slides/slide11.xml><?xml version="1.0" encoding="utf-8"?>
+<p:sld xmlns:a="http://schemas.openxmlformats.org/drawingml/2006/main" xmlns:r="http://schemas.openxmlformats.org/officeDocument/2006/relationships" xmlns:p="http://schemas.openxmlformats.org/presentationml/2006/main">
+  <p:cSld>
+    <p:spTree>
+      <p:nvGrpSpPr>
+        <p:cNvPr id="1" name=""/>
+        <p:cNvGrpSpPr/>
+        <p:nvPr/>
+      </p:nvGrpSpPr>
+      <p:grpSpPr>
+        <a:xfrm>
+          <a:off x="0" y="0"/>
+          <a:ext cx="0" cy="0"/>
+          <a:chOff x="0" y="0"/>
+          <a:chExt cx="0" cy="0"/>
+        </a:xfrm>
+      </p:grpSpPr>
+      <p:sp>
+        <p:nvSpPr>
+          <p:cNvPr id="2" name="Title 1">
+            <a:extLst>
+              <a:ext uri="{FF2B5EF4-FFF2-40B4-BE49-F238E27FC236}">
+                <a16:creationId xmlns:a16="http://schemas.microsoft.com/office/drawing/2014/main" id="{FFFDF2FD-B2E6-4942-BDE5-3439F4AFE479}"/>
+              </a:ext>
+            </a:extLst>
+          </p:cNvPr>
+          <p:cNvSpPr>
+            <a:spLocks noGrp="1"/>
+          </p:cNvSpPr>
+          <p:nvPr>
+            <p:ph type="title"/>
+          </p:nvPr>
+        </p:nvSpPr>
+        <p:spPr/>
+        <p:txBody>
+          <a:bodyPr/>
+          <a:lstStyle/>
+          <a:p>
+            <a:r>
+              <a:rPr lang="en-US" dirty="0"/>
+              <a:t>SQL Statements</a:t>
+            </a:r>
+          </a:p>
+        </p:txBody>
+      </p:sp>
+      <p:sp>
+        <p:nvSpPr>
+          <p:cNvPr id="3" name="Content Placeholder 2">
+            <a:extLst>
+              <a:ext uri="{FF2B5EF4-FFF2-40B4-BE49-F238E27FC236}">
+                <a16:creationId xmlns:a16="http://schemas.microsoft.com/office/drawing/2014/main" id="{E6AC7B17-AB81-426F-8B7A-3EBE66C0F28F}"/>
+              </a:ext>
+            </a:extLst>
+          </p:cNvPr>
+          <p:cNvSpPr>
+            <a:spLocks noGrp="1"/>
+          </p:cNvSpPr>
+          <p:nvPr>
+            <p:ph idx="1"/>
+          </p:nvPr>
+        </p:nvSpPr>
+        <p:spPr/>
+        <p:txBody>
+          <a:bodyPr/>
+          <a:lstStyle/>
+          <a:p>
+            <a:pPr marL="0" indent="0">
+              <a:buNone/>
+            </a:pPr>
+            <a:r>
+              <a:rPr lang="en-US" dirty="0"/>
+              <a:t>CREATE</a:t>
+            </a:r>
+          </a:p>
+        </p:txBody>
+      </p:sp>
+      <p:pic>
+        <p:nvPicPr>
+          <p:cNvPr id="5" name="Picture 4">
+            <a:extLst>
+              <a:ext uri="{FF2B5EF4-FFF2-40B4-BE49-F238E27FC236}">
+                <a16:creationId xmlns:a16="http://schemas.microsoft.com/office/drawing/2014/main" id="{1835D71E-C928-410D-B15C-CE2CFA71A896}"/>
+              </a:ext>
+            </a:extLst>
+          </p:cNvPr>
+          <p:cNvPicPr>
+            <a:picLocks noChangeAspect="1"/>
+          </p:cNvPicPr>
+          <p:nvPr/>
+        </p:nvPicPr>
+        <p:blipFill>
+          <a:blip r:embed="rId2"/>
+          <a:stretch>
+            <a:fillRect/>
+          </a:stretch>
+        </p:blipFill>
+        <p:spPr>
+          <a:xfrm>
+            <a:off x="838200" y="2447078"/>
+            <a:ext cx="2409825" cy="1123950"/>
+          </a:xfrm>
+          <a:prstGeom prst="rect">
+            <a:avLst/>
+          </a:prstGeom>
+        </p:spPr>
+      </p:pic>
+    </p:spTree>
+    <p:extLst>
+      <p:ext uri="{BB962C8B-B14F-4D97-AF65-F5344CB8AC3E}">
+        <p14:creationId xmlns:p14="http://schemas.microsoft.com/office/powerpoint/2010/main" val="2516534283"/>
+      </p:ext>
+    </p:extLst>
+  </p:cSld>
+  <p:clrMapOvr>
+    <a:masterClrMapping/>
+  </p:clrMapOvr>
+</p:sld>
+</file>
+
 <file path=ppt/slides/slide2.xml><?xml version="1.0" encoding="utf-8"?>
 <p:sld xmlns:a="http://schemas.openxmlformats.org/drawingml/2006/main" xmlns:r="http://schemas.openxmlformats.org/officeDocument/2006/relationships" xmlns:p="http://schemas.openxmlformats.org/presentationml/2006/main">
   <p:cSld>
@@ -16092,7 +16813,7 @@
             <p:ph idx="1"/>
             <p:extLst>
               <p:ext uri="{D42A27DB-BD31-4B8C-83A1-F6EECF244321}">
-                <p14:modId xmlns:p14="http://schemas.microsoft.com/office/powerpoint/2010/main" val="364864802"/>
+                <p14:modId xmlns:p14="http://schemas.microsoft.com/office/powerpoint/2010/main" val="1596649823"/>
               </p:ext>
             </p:extLst>
           </p:nvPr>
@@ -19329,6 +20050,605 @@
     <p:extLst>
       <p:ext uri="{BB962C8B-B14F-4D97-AF65-F5344CB8AC3E}">
         <p14:creationId xmlns:p14="http://schemas.microsoft.com/office/powerpoint/2010/main" val="1399933244"/>
+      </p:ext>
+    </p:extLst>
+  </p:cSld>
+  <p:clrMapOvr>
+    <a:masterClrMapping/>
+  </p:clrMapOvr>
+</p:sld>
+</file>
+
+<file path=ppt/slides/slide9.xml><?xml version="1.0" encoding="utf-8"?>
+<p:sld xmlns:a="http://schemas.openxmlformats.org/drawingml/2006/main" xmlns:r="http://schemas.openxmlformats.org/officeDocument/2006/relationships" xmlns:p="http://schemas.openxmlformats.org/presentationml/2006/main">
+  <p:cSld>
+    <p:bg>
+      <p:bgPr>
+        <a:solidFill>
+          <a:schemeClr val="bg1"/>
+        </a:solidFill>
+        <a:effectLst/>
+      </p:bgPr>
+    </p:bg>
+    <p:spTree>
+      <p:nvGrpSpPr>
+        <p:cNvPr id="1" name=""/>
+        <p:cNvGrpSpPr/>
+        <p:nvPr/>
+      </p:nvGrpSpPr>
+      <p:grpSpPr>
+        <a:xfrm>
+          <a:off x="0" y="0"/>
+          <a:ext cx="0" cy="0"/>
+          <a:chOff x="0" y="0"/>
+          <a:chExt cx="0" cy="0"/>
+        </a:xfrm>
+      </p:grpSpPr>
+      <p:sp useBgFill="1">
+        <p:nvSpPr>
+          <p:cNvPr id="22" name="Rectangle 9">
+            <a:extLst>
+              <a:ext uri="{FF2B5EF4-FFF2-40B4-BE49-F238E27FC236}">
+                <a16:creationId xmlns:a16="http://schemas.microsoft.com/office/drawing/2014/main" id="{A8384FB5-9ADC-4DDC-881B-597D56F5B15D}"/>
+              </a:ext>
+              <a:ext uri="{C183D7F6-B498-43B3-948B-1728B52AA6E4}">
+                <adec:decorative xmlns:adec="http://schemas.microsoft.com/office/drawing/2017/decorative" val="1"/>
+              </a:ext>
+            </a:extLst>
+          </p:cNvPr>
+          <p:cNvSpPr>
+            <a:spLocks noGrp="1" noRot="1" noChangeAspect="1" noMove="1" noResize="1" noEditPoints="1" noAdjustHandles="1" noChangeArrowheads="1" noChangeShapeType="1" noTextEdit="1"/>
+          </p:cNvSpPr>
+          <p:nvPr>
+            <p:extLst>
+              <p:ext uri="{386F3935-93C4-4BCD-93E2-E3B085C9AB24}">
+                <p16:designElem xmlns:p16="http://schemas.microsoft.com/office/powerpoint/2015/main" val="1"/>
+              </p:ext>
+            </p:extLst>
+          </p:nvPr>
+        </p:nvSpPr>
+        <p:spPr>
+          <a:xfrm>
+            <a:off x="0" y="0"/>
+            <a:ext cx="12192000" cy="6858000"/>
+          </a:xfrm>
+          <a:prstGeom prst="rect">
+            <a:avLst/>
+          </a:prstGeom>
+          <a:ln w="12700" cap="flat" cmpd="sng" algn="ctr">
+            <a:noFill/>
+            <a:prstDash val="solid"/>
+            <a:miter lim="800000"/>
+          </a:ln>
+          <a:effectLst/>
+          <a:extLst>
+            <a:ext uri="{91240B29-F687-4F45-9708-019B960494DF}">
+              <a14:hiddenLine xmlns:a14="http://schemas.microsoft.com/office/drawing/2010/main" w="12700" cap="flat" cmpd="sng" algn="ctr">
+                <a:solidFill>
+                  <a:schemeClr val="accent1">
+                    <a:shade val="50000"/>
+                  </a:schemeClr>
+                </a:solidFill>
+                <a:prstDash val="solid"/>
+                <a:miter lim="800000"/>
+              </a14:hiddenLine>
+            </a:ext>
+          </a:extLst>
+        </p:spPr>
+        <p:style>
+          <a:lnRef idx="2">
+            <a:schemeClr val="accent1">
+              <a:shade val="50000"/>
+            </a:schemeClr>
+          </a:lnRef>
+          <a:fillRef idx="1">
+            <a:schemeClr val="accent1"/>
+          </a:fillRef>
+          <a:effectRef idx="0">
+            <a:schemeClr val="accent1"/>
+          </a:effectRef>
+          <a:fontRef idx="minor">
+            <a:schemeClr val="lt1"/>
+          </a:fontRef>
+        </p:style>
+        <p:txBody>
+          <a:bodyPr rtlCol="0" anchor="ctr"/>
+          <a:lstStyle/>
+          <a:p>
+            <a:pPr algn="ctr"/>
+            <a:endParaRPr lang="en-US"/>
+          </a:p>
+        </p:txBody>
+      </p:sp>
+      <p:sp>
+        <p:nvSpPr>
+          <p:cNvPr id="23" name="Rectangle 11">
+            <a:extLst>
+              <a:ext uri="{FF2B5EF4-FFF2-40B4-BE49-F238E27FC236}">
+                <a16:creationId xmlns:a16="http://schemas.microsoft.com/office/drawing/2014/main" id="{1199E1B1-A8C0-4FE8-A5A8-1CB41D69F857}"/>
+              </a:ext>
+              <a:ext uri="{C183D7F6-B498-43B3-948B-1728B52AA6E4}">
+                <adec:decorative xmlns:adec="http://schemas.microsoft.com/office/drawing/2017/decorative" val="1"/>
+              </a:ext>
+            </a:extLst>
+          </p:cNvPr>
+          <p:cNvSpPr>
+            <a:spLocks noGrp="1" noRot="1" noChangeAspect="1" noMove="1" noResize="1" noEditPoints="1" noAdjustHandles="1" noChangeArrowheads="1" noChangeShapeType="1" noTextEdit="1"/>
+          </p:cNvSpPr>
+          <p:nvPr>
+            <p:extLst>
+              <p:ext uri="{386F3935-93C4-4BCD-93E2-E3B085C9AB24}">
+                <p16:designElem xmlns:p16="http://schemas.microsoft.com/office/powerpoint/2015/main" val="1"/>
+              </p:ext>
+            </p:extLst>
+          </p:nvPr>
+        </p:nvSpPr>
+        <p:spPr>
+          <a:xfrm rot="10800000" flipH="1">
+            <a:off x="2" y="0"/>
+            <a:ext cx="12191998" cy="1575955"/>
+          </a:xfrm>
+          <a:prstGeom prst="rect">
+            <a:avLst/>
+          </a:prstGeom>
+          <a:gradFill>
+            <a:gsLst>
+              <a:gs pos="0">
+                <a:srgbClr val="000000">
+                  <a:alpha val="96000"/>
+                </a:srgbClr>
+              </a:gs>
+              <a:gs pos="100000">
+                <a:schemeClr val="accent1">
+                  <a:lumMod val="75000"/>
+                </a:schemeClr>
+              </a:gs>
+            </a:gsLst>
+            <a:lin ang="6000000" scaled="0"/>
+          </a:gradFill>
+          <a:ln>
+            <a:noFill/>
+          </a:ln>
+        </p:spPr>
+        <p:style>
+          <a:lnRef idx="2">
+            <a:schemeClr val="accent1">
+              <a:shade val="50000"/>
+            </a:schemeClr>
+          </a:lnRef>
+          <a:fillRef idx="1">
+            <a:schemeClr val="accent1"/>
+          </a:fillRef>
+          <a:effectRef idx="0">
+            <a:schemeClr val="accent1"/>
+          </a:effectRef>
+          <a:fontRef idx="minor">
+            <a:schemeClr val="lt1"/>
+          </a:fontRef>
+        </p:style>
+        <p:txBody>
+          <a:bodyPr rtlCol="0" anchor="ctr"/>
+          <a:lstStyle/>
+          <a:p>
+            <a:pPr algn="ctr"/>
+            <a:endParaRPr lang="en-US"/>
+          </a:p>
+        </p:txBody>
+      </p:sp>
+      <p:sp>
+        <p:nvSpPr>
+          <p:cNvPr id="24" name="Rectangle 13">
+            <a:extLst>
+              <a:ext uri="{FF2B5EF4-FFF2-40B4-BE49-F238E27FC236}">
+                <a16:creationId xmlns:a16="http://schemas.microsoft.com/office/drawing/2014/main" id="{84A8DE83-DE75-4B41-9DB4-A7EC0B0DEC0B}"/>
+              </a:ext>
+              <a:ext uri="{C183D7F6-B498-43B3-948B-1728B52AA6E4}">
+                <adec:decorative xmlns:adec="http://schemas.microsoft.com/office/drawing/2017/decorative" val="1"/>
+              </a:ext>
+            </a:extLst>
+          </p:cNvPr>
+          <p:cNvSpPr>
+            <a:spLocks noGrp="1" noRot="1" noChangeAspect="1" noMove="1" noResize="1" noEditPoints="1" noAdjustHandles="1" noChangeArrowheads="1" noChangeShapeType="1" noTextEdit="1"/>
+          </p:cNvSpPr>
+          <p:nvPr>
+            <p:extLst>
+              <p:ext uri="{386F3935-93C4-4BCD-93E2-E3B085C9AB24}">
+                <p16:designElem xmlns:p16="http://schemas.microsoft.com/office/powerpoint/2015/main" val="1"/>
+              </p:ext>
+            </p:extLst>
+          </p:nvPr>
+        </p:nvSpPr>
+        <p:spPr>
+          <a:xfrm>
+            <a:off x="0" y="0"/>
+            <a:ext cx="8128856" cy="1575461"/>
+          </a:xfrm>
+          <a:prstGeom prst="rect">
+            <a:avLst/>
+          </a:prstGeom>
+          <a:gradFill>
+            <a:gsLst>
+              <a:gs pos="0">
+                <a:schemeClr val="accent1">
+                  <a:alpha val="41000"/>
+                </a:schemeClr>
+              </a:gs>
+              <a:gs pos="74000">
+                <a:schemeClr val="accent1">
+                  <a:lumMod val="60000"/>
+                  <a:lumOff val="40000"/>
+                  <a:alpha val="0"/>
+                </a:schemeClr>
+              </a:gs>
+            </a:gsLst>
+            <a:lin ang="8400000" scaled="0"/>
+          </a:gradFill>
+          <a:ln>
+            <a:noFill/>
+          </a:ln>
+        </p:spPr>
+        <p:style>
+          <a:lnRef idx="2">
+            <a:schemeClr val="accent1">
+              <a:shade val="50000"/>
+            </a:schemeClr>
+          </a:lnRef>
+          <a:fillRef idx="1">
+            <a:schemeClr val="accent1"/>
+          </a:fillRef>
+          <a:effectRef idx="0">
+            <a:schemeClr val="accent1"/>
+          </a:effectRef>
+          <a:fontRef idx="minor">
+            <a:schemeClr val="lt1"/>
+          </a:fontRef>
+        </p:style>
+        <p:txBody>
+          <a:bodyPr rtlCol="0" anchor="ctr"/>
+          <a:lstStyle/>
+          <a:p>
+            <a:pPr algn="ctr"/>
+            <a:endParaRPr lang="en-US"/>
+          </a:p>
+        </p:txBody>
+      </p:sp>
+      <p:sp>
+        <p:nvSpPr>
+          <p:cNvPr id="25" name="Rectangle 15">
+            <a:extLst>
+              <a:ext uri="{FF2B5EF4-FFF2-40B4-BE49-F238E27FC236}">
+                <a16:creationId xmlns:a16="http://schemas.microsoft.com/office/drawing/2014/main" id="{A7009A0A-BEF5-4EAC-AF15-E4F9F002E239}"/>
+              </a:ext>
+              <a:ext uri="{C183D7F6-B498-43B3-948B-1728B52AA6E4}">
+                <adec:decorative xmlns:adec="http://schemas.microsoft.com/office/drawing/2017/decorative" val="1"/>
+              </a:ext>
+            </a:extLst>
+          </p:cNvPr>
+          <p:cNvSpPr>
+            <a:spLocks noGrp="1" noRot="1" noChangeAspect="1" noMove="1" noResize="1" noEditPoints="1" noAdjustHandles="1" noChangeArrowheads="1" noChangeShapeType="1" noTextEdit="1"/>
+          </p:cNvSpPr>
+          <p:nvPr>
+            <p:extLst>
+              <p:ext uri="{386F3935-93C4-4BCD-93E2-E3B085C9AB24}">
+                <p16:designElem xmlns:p16="http://schemas.microsoft.com/office/powerpoint/2015/main" val="1"/>
+              </p:ext>
+            </p:extLst>
+          </p:nvPr>
+        </p:nvSpPr>
+        <p:spPr>
+          <a:xfrm flipH="1">
+            <a:off x="-3" y="-1"/>
+            <a:ext cx="12192002" cy="1574311"/>
+          </a:xfrm>
+          <a:prstGeom prst="rect">
+            <a:avLst/>
+          </a:prstGeom>
+          <a:gradFill>
+            <a:gsLst>
+              <a:gs pos="0">
+                <a:srgbClr val="000000">
+                  <a:alpha val="63000"/>
+                </a:srgbClr>
+              </a:gs>
+              <a:gs pos="78000">
+                <a:schemeClr val="accent1">
+                  <a:alpha val="15000"/>
+                </a:schemeClr>
+              </a:gs>
+            </a:gsLst>
+            <a:lin ang="15600000" scaled="0"/>
+          </a:gradFill>
+          <a:ln>
+            <a:noFill/>
+          </a:ln>
+        </p:spPr>
+        <p:style>
+          <a:lnRef idx="2">
+            <a:schemeClr val="accent1">
+              <a:shade val="50000"/>
+            </a:schemeClr>
+          </a:lnRef>
+          <a:fillRef idx="1">
+            <a:schemeClr val="accent1"/>
+          </a:fillRef>
+          <a:effectRef idx="0">
+            <a:schemeClr val="accent1"/>
+          </a:effectRef>
+          <a:fontRef idx="minor">
+            <a:schemeClr val="lt1"/>
+          </a:fontRef>
+        </p:style>
+        <p:txBody>
+          <a:bodyPr rtlCol="0" anchor="ctr"/>
+          <a:lstStyle/>
+          <a:p>
+            <a:pPr algn="ctr"/>
+            <a:endParaRPr lang="en-US"/>
+          </a:p>
+        </p:txBody>
+      </p:sp>
+      <p:sp>
+        <p:nvSpPr>
+          <p:cNvPr id="2" name="Title 1">
+            <a:extLst>
+              <a:ext uri="{FF2B5EF4-FFF2-40B4-BE49-F238E27FC236}">
+                <a16:creationId xmlns:a16="http://schemas.microsoft.com/office/drawing/2014/main" id="{012290B1-E997-4AEC-9115-9FB9C1A87489}"/>
+              </a:ext>
+            </a:extLst>
+          </p:cNvPr>
+          <p:cNvSpPr>
+            <a:spLocks noGrp="1"/>
+          </p:cNvSpPr>
+          <p:nvPr>
+            <p:ph type="title"/>
+          </p:nvPr>
+        </p:nvSpPr>
+        <p:spPr>
+          <a:xfrm>
+            <a:off x="699713" y="248038"/>
+            <a:ext cx="7063721" cy="1159200"/>
+          </a:xfrm>
+        </p:spPr>
+        <p:txBody>
+          <a:bodyPr vert="horz" lIns="91440" tIns="45720" rIns="91440" bIns="45720" rtlCol="0" anchor="ctr">
+            <a:normAutofit/>
+          </a:bodyPr>
+          <a:lstStyle/>
+          <a:p>
+            <a:r>
+              <a:rPr lang="en-US" sz="4000" b="1" kern="1200" dirty="0">
+                <a:solidFill>
+                  <a:srgbClr val="FFFFFF"/>
+                </a:solidFill>
+                <a:latin typeface="+mj-lt"/>
+                <a:ea typeface="+mj-ea"/>
+                <a:cs typeface="+mj-cs"/>
+              </a:rPr>
+              <a:t>SQL Statements</a:t>
+            </a:r>
+          </a:p>
+        </p:txBody>
+      </p:sp>
+      <p:sp>
+        <p:nvSpPr>
+          <p:cNvPr id="8" name="Content Placeholder 2">
+            <a:extLst>
+              <a:ext uri="{FF2B5EF4-FFF2-40B4-BE49-F238E27FC236}">
+                <a16:creationId xmlns:a16="http://schemas.microsoft.com/office/drawing/2014/main" id="{AA32F5FD-65A8-4065-A8C7-070ACBA287DD}"/>
+              </a:ext>
+            </a:extLst>
+          </p:cNvPr>
+          <p:cNvSpPr>
+            <a:spLocks noGrp="1"/>
+          </p:cNvSpPr>
+          <p:nvPr>
+            <p:ph idx="1"/>
+          </p:nvPr>
+        </p:nvSpPr>
+        <p:spPr>
+          <a:xfrm>
+            <a:off x="838200" y="1825625"/>
+            <a:ext cx="10515600" cy="4351338"/>
+          </a:xfrm>
+        </p:spPr>
+        <p:txBody>
+          <a:bodyPr/>
+          <a:lstStyle/>
+          <a:p>
+            <a:pPr marL="0" indent="0">
+              <a:buNone/>
+            </a:pPr>
+            <a:r>
+              <a:rPr lang="en-US" dirty="0"/>
+              <a:t>CREATE statement</a:t>
+            </a:r>
+          </a:p>
+        </p:txBody>
+      </p:sp>
+      <p:pic>
+        <p:nvPicPr>
+          <p:cNvPr id="9" name="Picture 8">
+            <a:extLst>
+              <a:ext uri="{FF2B5EF4-FFF2-40B4-BE49-F238E27FC236}">
+                <a16:creationId xmlns:a16="http://schemas.microsoft.com/office/drawing/2014/main" id="{1D2A78B5-5918-4A8E-BC6D-1BC9FAF05026}"/>
+              </a:ext>
+            </a:extLst>
+          </p:cNvPr>
+          <p:cNvPicPr>
+            <a:picLocks noChangeAspect="1"/>
+          </p:cNvPicPr>
+          <p:nvPr/>
+        </p:nvPicPr>
+        <p:blipFill>
+          <a:blip r:embed="rId2"/>
+          <a:stretch>
+            <a:fillRect/>
+          </a:stretch>
+        </p:blipFill>
+        <p:spPr>
+          <a:xfrm>
+            <a:off x="838200" y="2447078"/>
+            <a:ext cx="2409825" cy="1123950"/>
+          </a:xfrm>
+          <a:prstGeom prst="rect">
+            <a:avLst/>
+          </a:prstGeom>
+        </p:spPr>
+      </p:pic>
+      <p:pic>
+        <p:nvPicPr>
+          <p:cNvPr id="5" name="Picture 4">
+            <a:extLst>
+              <a:ext uri="{FF2B5EF4-FFF2-40B4-BE49-F238E27FC236}">
+                <a16:creationId xmlns:a16="http://schemas.microsoft.com/office/drawing/2014/main" id="{4E571276-158E-499E-9385-1308312516D5}"/>
+              </a:ext>
+            </a:extLst>
+          </p:cNvPr>
+          <p:cNvPicPr>
+            <a:picLocks noChangeAspect="1"/>
+          </p:cNvPicPr>
+          <p:nvPr/>
+        </p:nvPicPr>
+        <p:blipFill>
+          <a:blip r:embed="rId3"/>
+          <a:stretch>
+            <a:fillRect/>
+          </a:stretch>
+        </p:blipFill>
+        <p:spPr>
+          <a:xfrm>
+            <a:off x="4729162" y="2447078"/>
+            <a:ext cx="2571750" cy="942975"/>
+          </a:xfrm>
+          <a:prstGeom prst="rect">
+            <a:avLst/>
+          </a:prstGeom>
+        </p:spPr>
+      </p:pic>
+      <p:pic>
+        <p:nvPicPr>
+          <p:cNvPr id="7" name="Picture 6">
+            <a:extLst>
+              <a:ext uri="{FF2B5EF4-FFF2-40B4-BE49-F238E27FC236}">
+                <a16:creationId xmlns:a16="http://schemas.microsoft.com/office/drawing/2014/main" id="{764C0B08-238A-4DD7-85A2-818216D6417B}"/>
+              </a:ext>
+            </a:extLst>
+          </p:cNvPr>
+          <p:cNvPicPr>
+            <a:picLocks noChangeAspect="1"/>
+          </p:cNvPicPr>
+          <p:nvPr/>
+        </p:nvPicPr>
+        <p:blipFill>
+          <a:blip r:embed="rId4"/>
+          <a:stretch>
+            <a:fillRect/>
+          </a:stretch>
+        </p:blipFill>
+        <p:spPr>
+          <a:xfrm>
+            <a:off x="8724900" y="2261340"/>
+            <a:ext cx="3048000" cy="1314450"/>
+          </a:xfrm>
+          <a:prstGeom prst="rect">
+            <a:avLst/>
+          </a:prstGeom>
+        </p:spPr>
+      </p:pic>
+      <p:pic>
+        <p:nvPicPr>
+          <p:cNvPr id="11" name="Picture 10">
+            <a:extLst>
+              <a:ext uri="{FF2B5EF4-FFF2-40B4-BE49-F238E27FC236}">
+                <a16:creationId xmlns:a16="http://schemas.microsoft.com/office/drawing/2014/main" id="{63F0BB0D-E064-4D51-89BA-958C8774D4BC}"/>
+              </a:ext>
+            </a:extLst>
+          </p:cNvPr>
+          <p:cNvPicPr>
+            <a:picLocks noChangeAspect="1"/>
+          </p:cNvPicPr>
+          <p:nvPr/>
+        </p:nvPicPr>
+        <p:blipFill>
+          <a:blip r:embed="rId5"/>
+          <a:stretch>
+            <a:fillRect/>
+          </a:stretch>
+        </p:blipFill>
+        <p:spPr>
+          <a:xfrm>
+            <a:off x="838200" y="4011401"/>
+            <a:ext cx="3590925" cy="2133600"/>
+          </a:xfrm>
+          <a:prstGeom prst="rect">
+            <a:avLst/>
+          </a:prstGeom>
+        </p:spPr>
+      </p:pic>
+      <p:pic>
+        <p:nvPicPr>
+          <p:cNvPr id="13" name="Picture 12">
+            <a:extLst>
+              <a:ext uri="{FF2B5EF4-FFF2-40B4-BE49-F238E27FC236}">
+                <a16:creationId xmlns:a16="http://schemas.microsoft.com/office/drawing/2014/main" id="{0B777773-B514-45E7-B520-55D420857E90}"/>
+              </a:ext>
+            </a:extLst>
+          </p:cNvPr>
+          <p:cNvPicPr>
+            <a:picLocks noChangeAspect="1"/>
+          </p:cNvPicPr>
+          <p:nvPr/>
+        </p:nvPicPr>
+        <p:blipFill>
+          <a:blip r:embed="rId6"/>
+          <a:stretch>
+            <a:fillRect/>
+          </a:stretch>
+        </p:blipFill>
+        <p:spPr>
+          <a:xfrm>
+            <a:off x="4724082" y="3900245"/>
+            <a:ext cx="3800475" cy="2724150"/>
+          </a:xfrm>
+          <a:prstGeom prst="rect">
+            <a:avLst/>
+          </a:prstGeom>
+        </p:spPr>
+      </p:pic>
+      <p:pic>
+        <p:nvPicPr>
+          <p:cNvPr id="15" name="Picture 14">
+            <a:extLst>
+              <a:ext uri="{FF2B5EF4-FFF2-40B4-BE49-F238E27FC236}">
+                <a16:creationId xmlns:a16="http://schemas.microsoft.com/office/drawing/2014/main" id="{0FAACC98-FB39-4B71-99BF-B71B77691F05}"/>
+              </a:ext>
+            </a:extLst>
+          </p:cNvPr>
+          <p:cNvPicPr>
+            <a:picLocks noChangeAspect="1"/>
+          </p:cNvPicPr>
+          <p:nvPr/>
+        </p:nvPicPr>
+        <p:blipFill>
+          <a:blip r:embed="rId7"/>
+          <a:stretch>
+            <a:fillRect/>
+          </a:stretch>
+        </p:blipFill>
+        <p:spPr>
+          <a:xfrm>
+            <a:off x="8724900" y="3984360"/>
+            <a:ext cx="2352675" cy="1162050"/>
+          </a:xfrm>
+          <a:prstGeom prst="rect">
+            <a:avLst/>
+          </a:prstGeom>
+        </p:spPr>
+      </p:pic>
+    </p:spTree>
+    <p:extLst>
+      <p:ext uri="{BB962C8B-B14F-4D97-AF65-F5344CB8AC3E}">
+        <p14:creationId xmlns:p14="http://schemas.microsoft.com/office/powerpoint/2010/main" val="3151439819"/>
       </p:ext>
     </p:extLst>
   </p:cSld>
